--- a/VMUG_VCF勉強会_スペシャル版_20250307-01.pptx
+++ b/VMUG_VCF勉強会_スペシャル版_20250307-01.pptx
@@ -1451,24 +1451,6 @@
             <pc:sldMasterMk cId="3407688336" sldId="2147483648"/>
             <pc:sldLayoutMk cId="3654649833" sldId="2147483683"/>
           </pc:sldLayoutMkLst>
-          <pc:spChg chg="mod">
-            <ac:chgData name="Go Watanabe" userId="eca159047afb4479" providerId="LiveId" clId="{9501793D-4977-402A-BBD1-BE5076AF1667}" dt="2025-01-08T07:39:48.586" v="6937" actId="20577"/>
-            <ac:spMkLst>
-              <pc:docMk/>
-              <pc:sldMasterMk cId="3407688336" sldId="2147483648"/>
-              <pc:sldLayoutMk cId="3654649833" sldId="2147483683"/>
-              <ac:spMk id="105" creationId="{D16D930D-4ED2-A6B2-738B-F55A77C72A32}"/>
-            </ac:spMkLst>
-          </pc:spChg>
-          <pc:spChg chg="mod ord">
-            <ac:chgData name="Go Watanabe" userId="eca159047afb4479" providerId="LiveId" clId="{9501793D-4977-402A-BBD1-BE5076AF1667}" dt="2025-01-08T07:40:52.587" v="6940" actId="2085"/>
-            <ac:spMkLst>
-              <pc:docMk/>
-              <pc:sldMasterMk cId="3407688336" sldId="2147483648"/>
-              <pc:sldLayoutMk cId="3654649833" sldId="2147483683"/>
-              <ac:spMk id="131" creationId="{3800B121-A7EC-CDE1-6F0C-9CB8574D07C1}"/>
-            </ac:spMkLst>
-          </pc:spChg>
         </pc:sldLayoutChg>
       </pc:sldMasterChg>
     </pc:docChg>
@@ -1476,7 +1458,7 @@
   <pc:docChgLst>
     <pc:chgData name="Go Watanabe" userId="eca159047afb4479" providerId="LiveId" clId="{6B215D06-DB56-49C5-B410-4CBE4BD1AD60}"/>
     <pc:docChg chg="undo custSel addSld delSld modSld sldOrd">
-      <pc:chgData name="Go Watanabe" userId="eca159047afb4479" providerId="LiveId" clId="{6B215D06-DB56-49C5-B410-4CBE4BD1AD60}" dt="2025-03-07T03:15:02.661" v="3184" actId="20577"/>
+      <pc:chgData name="Go Watanabe" userId="eca159047afb4479" providerId="LiveId" clId="{6B215D06-DB56-49C5-B410-4CBE4BD1AD60}" dt="2025-03-07T04:27:44.875" v="3197" actId="20577"/>
       <pc:docMkLst>
         <pc:docMk/>
       </pc:docMkLst>
@@ -1662,7 +1644,7 @@
         </pc:spChg>
       </pc:sldChg>
       <pc:sldChg chg="modSp mod ord">
-        <pc:chgData name="Go Watanabe" userId="eca159047afb4479" providerId="LiveId" clId="{6B215D06-DB56-49C5-B410-4CBE4BD1AD60}" dt="2025-03-06T18:39:49.208" v="2749" actId="20577"/>
+        <pc:chgData name="Go Watanabe" userId="eca159047afb4479" providerId="LiveId" clId="{6B215D06-DB56-49C5-B410-4CBE4BD1AD60}" dt="2025-03-07T04:27:44.875" v="3197" actId="20577"/>
         <pc:sldMkLst>
           <pc:docMk/>
           <pc:sldMk cId="1451338075" sldId="719"/>
@@ -1676,7 +1658,7 @@
           </ac:spMkLst>
         </pc:spChg>
         <pc:spChg chg="mod">
-          <ac:chgData name="Go Watanabe" userId="eca159047afb4479" providerId="LiveId" clId="{6B215D06-DB56-49C5-B410-4CBE4BD1AD60}" dt="2025-03-06T18:38:27.354" v="2721" actId="20577"/>
+          <ac:chgData name="Go Watanabe" userId="eca159047afb4479" providerId="LiveId" clId="{6B215D06-DB56-49C5-B410-4CBE4BD1AD60}" dt="2025-03-07T04:27:44.875" v="3197" actId="20577"/>
           <ac:spMkLst>
             <pc:docMk/>
             <pc:sldMk cId="1451338075" sldId="719"/>
@@ -2116,15 +2098,6 @@
             <pc:sldMasterMk cId="3407688336" sldId="2147483648"/>
             <pc:sldLayoutMk cId="919535157" sldId="2147483681"/>
           </pc:sldLayoutMkLst>
-          <pc:spChg chg="mod">
-            <ac:chgData name="Go Watanabe" userId="eca159047afb4479" providerId="LiveId" clId="{0DB4C018-2CC8-409F-A405-8AA9DA8E185B}" dt="2024-12-10T14:33:07.019" v="2504" actId="20577"/>
-            <ac:spMkLst>
-              <pc:docMk/>
-              <pc:sldMasterMk cId="3407688336" sldId="2147483648"/>
-              <pc:sldLayoutMk cId="919535157" sldId="2147483681"/>
-              <ac:spMk id="105" creationId="{D16D930D-4ED2-A6B2-738B-F55A77C72A32}"/>
-            </ac:spMkLst>
-          </pc:spChg>
         </pc:sldLayoutChg>
         <pc:sldLayoutChg chg="delSp modSp mod">
           <pc:chgData name="Go Watanabe" userId="eca159047afb4479" providerId="LiveId" clId="{0DB4C018-2CC8-409F-A405-8AA9DA8E185B}" dt="2024-12-10T14:35:49.423" v="2512" actId="478"/>
@@ -2133,15 +2106,6 @@
             <pc:sldMasterMk cId="3407688336" sldId="2147483648"/>
             <pc:sldLayoutMk cId="3868111762" sldId="2147483682"/>
           </pc:sldLayoutMkLst>
-          <pc:spChg chg="mod">
-            <ac:chgData name="Go Watanabe" userId="eca159047afb4479" providerId="LiveId" clId="{0DB4C018-2CC8-409F-A405-8AA9DA8E185B}" dt="2024-12-10T14:32:50.558" v="2501" actId="20577"/>
-            <ac:spMkLst>
-              <pc:docMk/>
-              <pc:sldMasterMk cId="3407688336" sldId="2147483648"/>
-              <pc:sldLayoutMk cId="3868111762" sldId="2147483682"/>
-              <ac:spMk id="105" creationId="{D16D930D-4ED2-A6B2-738B-F55A77C72A32}"/>
-            </ac:spMkLst>
-          </pc:spChg>
         </pc:sldLayoutChg>
       </pc:sldMasterChg>
     </pc:docChg>
@@ -2962,7 +2926,7 @@
           <a:p>
             <a:fld id="{84D705E0-040C-4348-8053-51D3266D1C9C}" type="datetimeFigureOut">
               <a:rPr kumimoji="1" lang="ja-JP" altLang="en-US" smtClean="0"/>
-              <a:t>2025/3/6</a:t>
+              <a:t>2025/3/7</a:t>
             </a:fld>
             <a:endParaRPr kumimoji="1" lang="ja-JP" altLang="en-US"/>
           </a:p>
@@ -4242,7 +4206,7 @@
           <a:p>
             <a:fld id="{6FE96E7E-12F7-4D68-84E7-F435D69892BD}" type="datetime1">
               <a:rPr kumimoji="1" lang="ja-JP" altLang="en-US" smtClean="0"/>
-              <a:t>2025/3/6</a:t>
+              <a:t>2025/3/7</a:t>
             </a:fld>
             <a:endParaRPr kumimoji="1" lang="ja-JP" altLang="en-US"/>
           </a:p>
@@ -5267,7 +5231,7 @@
             </a:r>
             <a:r>
               <a:rPr lang="ja-JP" altLang="en-US" dirty="0"/>
-              <a:t> はトモダチ</a:t>
+              <a:t> はともだち</a:t>
             </a:r>
             <a:endParaRPr kumimoji="1" lang="ja-JP" altLang="en-US" dirty="0"/>
           </a:p>

--- a/VMUG_VCF勉強会_スペシャル版_20250307-01.pptx
+++ b/VMUG_VCF勉強会_スペシャル版_20250307-01.pptx
@@ -5,7 +5,7 @@
     <p:sldMasterId id="2147483648" r:id="rId1"/>
   </p:sldMasterIdLst>
   <p:notesMasterIdLst>
-    <p:notesMasterId r:id="rId10"/>
+    <p:notesMasterId r:id="rId11"/>
   </p:notesMasterIdLst>
   <p:sldIdLst>
     <p:sldId id="702" r:id="rId2"/>
@@ -16,6 +16,7 @@
     <p:sldId id="728" r:id="rId7"/>
     <p:sldId id="727" r:id="rId8"/>
     <p:sldId id="729" r:id="rId9"/>
+    <p:sldId id="730" r:id="rId10"/>
   </p:sldIdLst>
   <p:sldSz cx="17068800" cy="9601200"/>
   <p:notesSz cx="6858000" cy="9144000"/>
@@ -1457,8 +1458,8 @@
   </pc:docChgLst>
   <pc:docChgLst>
     <pc:chgData name="Go Watanabe" userId="eca159047afb4479" providerId="LiveId" clId="{6B215D06-DB56-49C5-B410-4CBE4BD1AD60}"/>
-    <pc:docChg chg="undo custSel addSld delSld modSld sldOrd">
-      <pc:chgData name="Go Watanabe" userId="eca159047afb4479" providerId="LiveId" clId="{6B215D06-DB56-49C5-B410-4CBE4BD1AD60}" dt="2025-03-07T04:27:44.875" v="3197" actId="20577"/>
+    <pc:docChg chg="undo custSel addSld delSld modSld sldOrd modShowInfo">
+      <pc:chgData name="Go Watanabe" userId="eca159047afb4479" providerId="LiveId" clId="{6B215D06-DB56-49C5-B410-4CBE4BD1AD60}" dt="2025-03-07T06:18:38.310" v="3288" actId="20577"/>
       <pc:docMkLst>
         <pc:docMk/>
       </pc:docMkLst>
@@ -1644,7 +1645,7 @@
         </pc:spChg>
       </pc:sldChg>
       <pc:sldChg chg="modSp mod ord">
-        <pc:chgData name="Go Watanabe" userId="eca159047afb4479" providerId="LiveId" clId="{6B215D06-DB56-49C5-B410-4CBE4BD1AD60}" dt="2025-03-07T04:27:44.875" v="3197" actId="20577"/>
+        <pc:chgData name="Go Watanabe" userId="eca159047afb4479" providerId="LiveId" clId="{6B215D06-DB56-49C5-B410-4CBE4BD1AD60}" dt="2025-03-07T06:18:28.311" v="3279" actId="20577"/>
         <pc:sldMkLst>
           <pc:docMk/>
           <pc:sldMk cId="1451338075" sldId="719"/>
@@ -1658,7 +1659,7 @@
           </ac:spMkLst>
         </pc:spChg>
         <pc:spChg chg="mod">
-          <ac:chgData name="Go Watanabe" userId="eca159047afb4479" providerId="LiveId" clId="{6B215D06-DB56-49C5-B410-4CBE4BD1AD60}" dt="2025-03-07T04:27:44.875" v="3197" actId="20577"/>
+          <ac:chgData name="Go Watanabe" userId="eca159047afb4479" providerId="LiveId" clId="{6B215D06-DB56-49C5-B410-4CBE4BD1AD60}" dt="2025-03-07T06:18:28.311" v="3279" actId="20577"/>
           <ac:spMkLst>
             <pc:docMk/>
             <pc:sldMk cId="1451338075" sldId="719"/>
@@ -1914,6 +1915,29 @@
             <pc:docMk/>
             <pc:sldMk cId="4250671852" sldId="729"/>
             <ac:spMk id="4" creationId="{4BE3B935-3C22-6AD2-5B11-3C07D4802997}"/>
+          </ac:spMkLst>
+        </pc:spChg>
+      </pc:sldChg>
+      <pc:sldChg chg="modSp new mod">
+        <pc:chgData name="Go Watanabe" userId="eca159047afb4479" providerId="LiveId" clId="{6B215D06-DB56-49C5-B410-4CBE4BD1AD60}" dt="2025-03-07T06:18:38.310" v="3288" actId="20577"/>
+        <pc:sldMkLst>
+          <pc:docMk/>
+          <pc:sldMk cId="1569902942" sldId="730"/>
+        </pc:sldMkLst>
+        <pc:spChg chg="mod">
+          <ac:chgData name="Go Watanabe" userId="eca159047afb4479" providerId="LiveId" clId="{6B215D06-DB56-49C5-B410-4CBE4BD1AD60}" dt="2025-03-07T06:17:51.712" v="3214" actId="20577"/>
+          <ac:spMkLst>
+            <pc:docMk/>
+            <pc:sldMk cId="1569902942" sldId="730"/>
+            <ac:spMk id="2" creationId="{330483DD-1023-FE45-4091-7F2170FF7121}"/>
+          </ac:spMkLst>
+        </pc:spChg>
+        <pc:spChg chg="mod">
+          <ac:chgData name="Go Watanabe" userId="eca159047afb4479" providerId="LiveId" clId="{6B215D06-DB56-49C5-B410-4CBE4BD1AD60}" dt="2025-03-07T06:18:38.310" v="3288" actId="20577"/>
+          <ac:spMkLst>
+            <pc:docMk/>
+            <pc:sldMk cId="1569902942" sldId="730"/>
+            <ac:spMk id="4" creationId="{49F4DAB7-E397-9AE8-3C7A-466622920175}"/>
           </ac:spMkLst>
         </pc:spChg>
       </pc:sldChg>
@@ -5226,14 +5250,21 @@
           <a:p>
             <a:pPr lvl="1"/>
             <a:r>
-              <a:rPr lang="en-US" altLang="ja-JP" dirty="0"/>
-              <a:t>PowerPoint</a:t>
-            </a:r>
-            <a:r>
-              <a:rPr lang="ja-JP" altLang="en-US" dirty="0"/>
-              <a:t> はともだち</a:t>
-            </a:r>
-            <a:endParaRPr kumimoji="1" lang="ja-JP" altLang="en-US" dirty="0"/>
+              <a:rPr kumimoji="1" lang="en-US" altLang="ja-JP" dirty="0"/>
+              <a:t>VCF</a:t>
+            </a:r>
+            <a:r>
+              <a:rPr kumimoji="1" lang="ja-JP" altLang="en-US" dirty="0"/>
+              <a:t> 投稿の図版 </a:t>
+            </a:r>
+            <a:r>
+              <a:rPr kumimoji="1" lang="en-US" altLang="ja-JP" dirty="0"/>
+              <a:t>PPT</a:t>
+            </a:r>
+            <a:r>
+              <a:rPr kumimoji="1" lang="ja-JP" altLang="en-US" dirty="0"/>
+              <a:t> から</a:t>
+            </a:r>
           </a:p>
         </p:txBody>
       </p:sp>
@@ -6421,6 +6452,124 @@
     <p:extLst>
       <p:ext uri="{BB962C8B-B14F-4D97-AF65-F5344CB8AC3E}">
         <p14:creationId xmlns:p14="http://schemas.microsoft.com/office/powerpoint/2010/main" val="4250671852"/>
+      </p:ext>
+    </p:extLst>
+  </p:cSld>
+  <p:clrMapOvr>
+    <a:masterClrMapping/>
+  </p:clrMapOvr>
+</p:sld>
+</file>
+
+<file path=ppt/slides/slide9.xml><?xml version="1.0" encoding="utf-8"?>
+<p:sld xmlns:a="http://schemas.openxmlformats.org/drawingml/2006/main" xmlns:r="http://schemas.openxmlformats.org/officeDocument/2006/relationships" xmlns:p="http://schemas.openxmlformats.org/presentationml/2006/main">
+  <p:cSld>
+    <p:spTree>
+      <p:nvGrpSpPr>
+        <p:cNvPr id="1" name=""/>
+        <p:cNvGrpSpPr/>
+        <p:nvPr/>
+      </p:nvGrpSpPr>
+      <p:grpSpPr>
+        <a:xfrm>
+          <a:off x="0" y="0"/>
+          <a:ext cx="0" cy="0"/>
+          <a:chOff x="0" y="0"/>
+          <a:chExt cx="0" cy="0"/>
+        </a:xfrm>
+      </p:grpSpPr>
+      <p:sp>
+        <p:nvSpPr>
+          <p:cNvPr id="2" name="タイトル 1">
+            <a:extLst>
+              <a:ext uri="{FF2B5EF4-FFF2-40B4-BE49-F238E27FC236}">
+                <a16:creationId xmlns:a16="http://schemas.microsoft.com/office/drawing/2014/main" id="{330483DD-1023-FE45-4091-7F2170FF7121}"/>
+              </a:ext>
+            </a:extLst>
+          </p:cNvPr>
+          <p:cNvSpPr>
+            <a:spLocks noGrp="1"/>
+          </p:cNvSpPr>
+          <p:nvPr>
+            <p:ph type="title"/>
+          </p:nvPr>
+        </p:nvSpPr>
+        <p:spPr/>
+        <p:txBody>
+          <a:bodyPr/>
+          <a:lstStyle/>
+          <a:p>
+            <a:r>
+              <a:rPr lang="ja-JP" altLang="en-US" dirty="0"/>
+              <a:t>まとめ</a:t>
+            </a:r>
+            <a:endParaRPr kumimoji="1" lang="ja-JP" altLang="en-US" dirty="0"/>
+          </a:p>
+        </p:txBody>
+      </p:sp>
+      <p:sp>
+        <p:nvSpPr>
+          <p:cNvPr id="3" name="スライド番号プレースホルダー 2">
+            <a:extLst>
+              <a:ext uri="{FF2B5EF4-FFF2-40B4-BE49-F238E27FC236}">
+                <a16:creationId xmlns:a16="http://schemas.microsoft.com/office/drawing/2014/main" id="{14BBAF58-3172-A6EA-2493-B9D235D48BE3}"/>
+              </a:ext>
+            </a:extLst>
+          </p:cNvPr>
+          <p:cNvSpPr>
+            <a:spLocks noGrp="1"/>
+          </p:cNvSpPr>
+          <p:nvPr>
+            <p:ph type="sldNum" sz="quarter" idx="12"/>
+          </p:nvPr>
+        </p:nvSpPr>
+        <p:spPr/>
+        <p:txBody>
+          <a:bodyPr/>
+          <a:lstStyle/>
+          <a:p>
+            <a:fld id="{464BA096-AB6D-4531-A22E-6A98C5ED327C}" type="slidenum">
+              <a:rPr lang="ja-JP" altLang="en-US" smtClean="0"/>
+              <a:pPr/>
+              <a:t>9</a:t>
+            </a:fld>
+            <a:endParaRPr lang="ja-JP" altLang="en-US"/>
+          </a:p>
+        </p:txBody>
+      </p:sp>
+      <p:sp>
+        <p:nvSpPr>
+          <p:cNvPr id="4" name="コンテンツ プレースホルダー 3">
+            <a:extLst>
+              <a:ext uri="{FF2B5EF4-FFF2-40B4-BE49-F238E27FC236}">
+                <a16:creationId xmlns:a16="http://schemas.microsoft.com/office/drawing/2014/main" id="{49F4DAB7-E397-9AE8-3C7A-466622920175}"/>
+              </a:ext>
+            </a:extLst>
+          </p:cNvPr>
+          <p:cNvSpPr>
+            <a:spLocks noGrp="1"/>
+          </p:cNvSpPr>
+          <p:nvPr>
+            <p:ph idx="1"/>
+          </p:nvPr>
+        </p:nvSpPr>
+        <p:spPr/>
+        <p:txBody>
+          <a:bodyPr/>
+          <a:lstStyle/>
+          <a:p>
+            <a:r>
+              <a:rPr lang="ja-JP" altLang="en-US" dirty="0"/>
+              <a:t>パワポはともだち</a:t>
+            </a:r>
+            <a:endParaRPr kumimoji="1" lang="ja-JP" altLang="en-US" dirty="0"/>
+          </a:p>
+        </p:txBody>
+      </p:sp>
+    </p:spTree>
+    <p:extLst>
+      <p:ext uri="{BB962C8B-B14F-4D97-AF65-F5344CB8AC3E}">
+        <p14:creationId xmlns:p14="http://schemas.microsoft.com/office/powerpoint/2010/main" val="1569902942"/>
       </p:ext>
     </p:extLst>
   </p:cSld>
